--- a/Documents/Team_Paper/Analytics Project Presentation - Summer 2015.pptx
+++ b/Documents/Team_Paper/Analytics Project Presentation - Summer 2015.pptx
@@ -39448,7 +39448,7 @@
     </p:spTree>
     <p:extLst>
       <p:ext uri="{BB962C8B-B14F-4D97-AF65-F5344CB8AC3E}">
-        <p14:creationId xmlns="" xmlns:p14="http://schemas.microsoft.com/office/powerpoint/2010/main" val="2940304958"/>
+        <p14:creationId xmlns:p14="http://schemas.microsoft.com/office/powerpoint/2010/main" xmlns="" val="2940304958"/>
       </p:ext>
     </p:extLst>
   </p:cSld>
@@ -40552,7 +40552,7 @@
     </p:spTree>
     <p:extLst>
       <p:ext uri="{BB962C8B-B14F-4D97-AF65-F5344CB8AC3E}">
-        <p14:creationId xmlns="" xmlns:p14="http://schemas.microsoft.com/office/powerpoint/2010/main" val="3568107358"/>
+        <p14:creationId xmlns:p14="http://schemas.microsoft.com/office/powerpoint/2010/main" xmlns="" val="3568107358"/>
       </p:ext>
     </p:extLst>
   </p:cSld>
@@ -41529,7 +41529,7 @@
     </p:spTree>
     <p:extLst>
       <p:ext uri="{BB962C8B-B14F-4D97-AF65-F5344CB8AC3E}">
-        <p14:creationId xmlns="" xmlns:p14="http://schemas.microsoft.com/office/powerpoint/2010/main" val="3568107358"/>
+        <p14:creationId xmlns:p14="http://schemas.microsoft.com/office/powerpoint/2010/main" xmlns="" val="3568107358"/>
       </p:ext>
     </p:extLst>
   </p:cSld>
@@ -42742,7 +42742,7 @@
     </p:spTree>
     <p:extLst>
       <p:ext uri="{BB962C8B-B14F-4D97-AF65-F5344CB8AC3E}">
-        <p14:creationId xmlns="" xmlns:p14="http://schemas.microsoft.com/office/powerpoint/2010/main" val="3568107358"/>
+        <p14:creationId xmlns:p14="http://schemas.microsoft.com/office/powerpoint/2010/main" xmlns="" val="3568107358"/>
       </p:ext>
     </p:extLst>
   </p:cSld>
@@ -44097,7 +44097,7 @@
     </p:spTree>
     <p:extLst>
       <p:ext uri="{BB962C8B-B14F-4D97-AF65-F5344CB8AC3E}">
-        <p14:creationId xmlns="" xmlns:p14="http://schemas.microsoft.com/office/powerpoint/2010/main" val="3568107358"/>
+        <p14:creationId xmlns:p14="http://schemas.microsoft.com/office/powerpoint/2010/main" xmlns="" val="3568107358"/>
       </p:ext>
     </p:extLst>
   </p:cSld>
@@ -45532,7 +45532,7 @@
     </p:spTree>
     <p:extLst>
       <p:ext uri="{BB962C8B-B14F-4D97-AF65-F5344CB8AC3E}">
-        <p14:creationId xmlns="" xmlns:p14="http://schemas.microsoft.com/office/powerpoint/2010/main" val="3568107358"/>
+        <p14:creationId xmlns:p14="http://schemas.microsoft.com/office/powerpoint/2010/main" xmlns="" val="3568107358"/>
       </p:ext>
     </p:extLst>
   </p:cSld>
@@ -46998,7 +46998,7 @@
     </p:spTree>
     <p:extLst>
       <p:ext uri="{BB962C8B-B14F-4D97-AF65-F5344CB8AC3E}">
-        <p14:creationId xmlns="" xmlns:p14="http://schemas.microsoft.com/office/powerpoint/2010/main" val="3568107358"/>
+        <p14:creationId xmlns:p14="http://schemas.microsoft.com/office/powerpoint/2010/main" xmlns="" val="3568107358"/>
       </p:ext>
     </p:extLst>
   </p:cSld>
@@ -48991,7 +48991,7 @@
     </p:spTree>
     <p:extLst>
       <p:ext uri="{BB962C8B-B14F-4D97-AF65-F5344CB8AC3E}">
-        <p14:creationId xmlns="" xmlns:p14="http://schemas.microsoft.com/office/powerpoint/2010/main" val="3568107358"/>
+        <p14:creationId xmlns:p14="http://schemas.microsoft.com/office/powerpoint/2010/main" xmlns="" val="3568107358"/>
       </p:ext>
     </p:extLst>
   </p:cSld>
@@ -50923,7 +50923,7 @@
     </p:spTree>
     <p:extLst>
       <p:ext uri="{BB962C8B-B14F-4D97-AF65-F5344CB8AC3E}">
-        <p14:creationId xmlns="" xmlns:p14="http://schemas.microsoft.com/office/powerpoint/2010/main" val="3568107358"/>
+        <p14:creationId xmlns:p14="http://schemas.microsoft.com/office/powerpoint/2010/main" xmlns="" val="3568107358"/>
       </p:ext>
     </p:extLst>
   </p:cSld>
@@ -51343,7 +51343,7 @@
     </p:spTree>
     <p:extLst>
       <p:ext uri="{BB962C8B-B14F-4D97-AF65-F5344CB8AC3E}">
-        <p14:creationId xmlns="" xmlns:p14="http://schemas.microsoft.com/office/powerpoint/2010/main" val="3665103920"/>
+        <p14:creationId xmlns:p14="http://schemas.microsoft.com/office/powerpoint/2010/main" xmlns="" val="3665103920"/>
       </p:ext>
     </p:extLst>
   </p:cSld>
@@ -51779,7 +51779,7 @@
     </p:spTree>
     <p:extLst>
       <p:ext uri="{BB962C8B-B14F-4D97-AF65-F5344CB8AC3E}">
-        <p14:creationId xmlns="" xmlns:p14="http://schemas.microsoft.com/office/powerpoint/2010/main" val="3568107358"/>
+        <p14:creationId xmlns:p14="http://schemas.microsoft.com/office/powerpoint/2010/main" xmlns="" val="3568107358"/>
       </p:ext>
     </p:extLst>
   </p:cSld>
@@ -52242,7 +52242,7 @@
     </p:spTree>
     <p:extLst>
       <p:ext uri="{BB962C8B-B14F-4D97-AF65-F5344CB8AC3E}">
-        <p14:creationId xmlns="" xmlns:p14="http://schemas.microsoft.com/office/powerpoint/2010/main" val="3568107358"/>
+        <p14:creationId xmlns:p14="http://schemas.microsoft.com/office/powerpoint/2010/main" xmlns="" val="3568107358"/>
       </p:ext>
     </p:extLst>
   </p:cSld>
@@ -52574,7 +52574,7 @@
     </p:spTree>
     <p:extLst>
       <p:ext uri="{BB962C8B-B14F-4D97-AF65-F5344CB8AC3E}">
-        <p14:creationId xmlns="" xmlns:p14="http://schemas.microsoft.com/office/powerpoint/2010/main" val="3568107358"/>
+        <p14:creationId xmlns:p14="http://schemas.microsoft.com/office/powerpoint/2010/main" xmlns="" val="3568107358"/>
       </p:ext>
     </p:extLst>
   </p:cSld>
@@ -52961,7 +52961,7 @@
     </p:spTree>
     <p:extLst>
       <p:ext uri="{BB962C8B-B14F-4D97-AF65-F5344CB8AC3E}">
-        <p14:creationId xmlns="" xmlns:p14="http://schemas.microsoft.com/office/powerpoint/2010/main" val="3568107358"/>
+        <p14:creationId xmlns:p14="http://schemas.microsoft.com/office/powerpoint/2010/main" xmlns="" val="3568107358"/>
       </p:ext>
     </p:extLst>
   </p:cSld>
@@ -53512,9 +53512,59 @@
                 <a:ea typeface="+mn-ea"/>
                 <a:cs typeface="+mn-cs"/>
               </a:rPr>
-              <a:t> Used to cleanse yelp data and calculate averages for scores.</a:t>
+              <a:t> Used to cleanse yelp data and calculate averages for scores</a:t>
             </a:r>
-            <a:endParaRPr kumimoji="0" lang="en-US" sz="2000" b="0" i="1" u="none" strike="noStrike" kern="1200" cap="none" spc="0" normalizeH="0" baseline="0" noProof="0" dirty="0" smtClean="0">
+            <a:r>
+              <a:rPr kumimoji="0" lang="en-US" sz="2000" b="0" i="1" u="none" strike="noStrike" kern="1200" cap="none" spc="0" normalizeH="0" noProof="0" dirty="0" smtClean="0">
+                <a:ln>
+                  <a:noFill/>
+                </a:ln>
+                <a:solidFill>
+                  <a:schemeClr val="tx1"/>
+                </a:solidFill>
+                <a:effectLst/>
+                <a:uLnTx/>
+                <a:uFillTx/>
+                <a:latin typeface="Century" panose="02040604050505020304" pitchFamily="18" charset="0"/>
+                <a:ea typeface="+mn-ea"/>
+                <a:cs typeface="+mn-cs"/>
+              </a:rPr>
+              <a:t>.</a:t>
+            </a:r>
+            <a:endParaRPr kumimoji="0" lang="en-US" sz="2000" b="0" i="1" u="none" strike="noStrike" kern="1200" cap="none" spc="0" normalizeH="0" noProof="0" smtClean="0">
+              <a:ln>
+                <a:noFill/>
+              </a:ln>
+              <a:solidFill>
+                <a:schemeClr val="tx1"/>
+              </a:solidFill>
+              <a:effectLst/>
+              <a:uLnTx/>
+              <a:uFillTx/>
+              <a:latin typeface="Century" panose="02040604050505020304" pitchFamily="18" charset="0"/>
+              <a:ea typeface="+mn-ea"/>
+              <a:cs typeface="+mn-cs"/>
+            </a:endParaRPr>
+          </a:p>
+          <a:p>
+            <a:pPr marL="0" marR="0" lvl="0" indent="0" algn="l" defTabSz="914400" rtl="0" eaLnBrk="1" fontAlgn="auto" latinLnBrk="0" hangingPunct="1">
+              <a:lnSpc>
+                <a:spcPct val="100000"/>
+              </a:lnSpc>
+              <a:spcBef>
+                <a:spcPct val="20000"/>
+              </a:spcBef>
+              <a:spcAft>
+                <a:spcPts val="0"/>
+              </a:spcAft>
+              <a:buClr>
+                <a:schemeClr val="accent3"/>
+              </a:buClr>
+              <a:buSzPct val="95000"/>
+              <a:tabLst/>
+              <a:defRPr/>
+            </a:pPr>
+            <a:endParaRPr kumimoji="0" lang="en-US" sz="2000" b="0" i="1" u="none" strike="noStrike" kern="1200" cap="none" spc="0" normalizeH="0" noProof="0" dirty="0" smtClean="0">
               <a:ln>
                 <a:noFill/>
               </a:ln>
@@ -53549,6 +53599,12 @@
               <a:tabLst/>
               <a:defRPr/>
             </a:pPr>
+            <a:r>
+              <a:rPr lang="en-US" sz="2000" i="1" baseline="0" dirty="0" smtClean="0">
+                <a:latin typeface="Century" panose="02040604050505020304" pitchFamily="18" charset="0"/>
+              </a:rPr>
+              <a:t>Pig: Used to find maximum rating of hospitals.</a:t>
+            </a:r>
             <a:endParaRPr kumimoji="0" lang="en-US" sz="2000" b="0" i="1" u="none" strike="noStrike" kern="1200" cap="none" spc="0" normalizeH="0" baseline="0" noProof="0" dirty="0" smtClean="0">
               <a:ln>
                 <a:noFill/>
@@ -53582,6 +53638,12 @@
               <a:tabLst/>
               <a:defRPr/>
             </a:pPr>
+            <a:r>
+              <a:rPr lang="en-US" sz="2000" i="1" dirty="0" smtClean="0">
+                <a:latin typeface="Century" panose="02040604050505020304" pitchFamily="18" charset="0"/>
+              </a:rPr>
+              <a:t> </a:t>
+            </a:r>
             <a:endParaRPr kumimoji="0" lang="en-US" sz="2000" b="0" i="1" u="none" strike="noStrike" kern="1200" cap="none" spc="0" normalizeH="0" baseline="0" noProof="0" dirty="0" smtClean="0">
               <a:ln>
                 <a:noFill/>
@@ -53918,7 +53980,7 @@
     </p:spTree>
     <p:extLst>
       <p:ext uri="{BB962C8B-B14F-4D97-AF65-F5344CB8AC3E}">
-        <p14:creationId xmlns="" xmlns:p14="http://schemas.microsoft.com/office/powerpoint/2010/main" val="3568107358"/>
+        <p14:creationId xmlns:p14="http://schemas.microsoft.com/office/powerpoint/2010/main" xmlns="" val="3568107358"/>
       </p:ext>
     </p:extLst>
   </p:cSld>
@@ -54942,7 +55004,7 @@
     </p:spTree>
     <p:extLst>
       <p:ext uri="{BB962C8B-B14F-4D97-AF65-F5344CB8AC3E}">
-        <p14:creationId xmlns="" xmlns:p14="http://schemas.microsoft.com/office/powerpoint/2010/main" val="3568107358"/>
+        <p14:creationId xmlns:p14="http://schemas.microsoft.com/office/powerpoint/2010/main" xmlns="" val="3568107358"/>
       </p:ext>
     </p:extLst>
   </p:cSld>
@@ -56080,7 +56142,7 @@
     </p:spTree>
     <p:extLst>
       <p:ext uri="{BB962C8B-B14F-4D97-AF65-F5344CB8AC3E}">
-        <p14:creationId xmlns="" xmlns:p14="http://schemas.microsoft.com/office/powerpoint/2010/main" val="3568107358"/>
+        <p14:creationId xmlns:p14="http://schemas.microsoft.com/office/powerpoint/2010/main" xmlns="" val="3568107358"/>
       </p:ext>
     </p:extLst>
   </p:cSld>
